--- a/src/images/CRM SMS invitation.pptx
+++ b/src/images/CRM SMS invitation.pptx
@@ -6,6 +6,7 @@
   </p:sldMasterIdLst>
   <p:sldIdLst>
     <p:sldId id="256" r:id="rId2"/>
+    <p:sldId id="257" r:id="rId3"/>
   </p:sldIdLst>
   <p:sldSz cx="12192000" cy="6858000"/>
   <p:notesSz cx="6858000" cy="9144000"/>
@@ -104,7 +105,48 @@
       </a:defRPr>
     </a:lvl9pPr>
   </p:defaultTextStyle>
+  <p:extLst>
+    <p:ext uri="{EFAFB233-063F-42B5-8137-9DF3F51BA10A}">
+      <p15:sldGuideLst xmlns:p15="http://schemas.microsoft.com/office/powerpoint/2012/main"/>
+    </p:ext>
+  </p:extLst>
 </p:presentation>
+</file>
+
+<file path=ppt/changesInfos/changesInfo1.xml><?xml version="1.0" encoding="utf-8"?>
+<pc:chgInfo xmlns:a="http://schemas.openxmlformats.org/drawingml/2006/main" xmlns:r="http://schemas.openxmlformats.org/officeDocument/2006/relationships" xmlns:ac="http://schemas.microsoft.com/office/drawing/2013/main/command" xmlns:pc="http://schemas.microsoft.com/office/powerpoint/2013/main/command">
+  <pc:docChgLst>
+    <pc:chgData userId="a1f005774d7590ad" providerId="LiveId" clId="{8648D8D0-0033-45BF-BC0C-C95CC44EAA29}"/>
+    <pc:docChg chg="addSld modSld">
+      <pc:chgData name="" userId="a1f005774d7590ad" providerId="LiveId" clId="{8648D8D0-0033-45BF-BC0C-C95CC44EAA29}" dt="2023-02-24T13:10:58.691" v="2"/>
+      <pc:docMkLst>
+        <pc:docMk/>
+      </pc:docMkLst>
+      <pc:sldChg chg="modSp">
+        <pc:chgData name="" userId="a1f005774d7590ad" providerId="LiveId" clId="{8648D8D0-0033-45BF-BC0C-C95CC44EAA29}" dt="2023-02-24T13:10:45.594" v="1" actId="207"/>
+        <pc:sldMkLst>
+          <pc:docMk/>
+          <pc:sldMk cId="2357998676" sldId="256"/>
+        </pc:sldMkLst>
+        <pc:spChg chg="mod">
+          <ac:chgData name="" userId="a1f005774d7590ad" providerId="LiveId" clId="{8648D8D0-0033-45BF-BC0C-C95CC44EAA29}" dt="2023-02-24T13:10:45.594" v="1" actId="207"/>
+          <ac:spMkLst>
+            <pc:docMk/>
+            <pc:sldMk cId="2357998676" sldId="256"/>
+            <ac:spMk id="4" creationId="{69CE7269-7094-4529-A4EC-60574D15E4C5}"/>
+          </ac:spMkLst>
+        </pc:spChg>
+      </pc:sldChg>
+      <pc:sldChg chg="add">
+        <pc:chgData name="" userId="a1f005774d7590ad" providerId="LiveId" clId="{8648D8D0-0033-45BF-BC0C-C95CC44EAA29}" dt="2023-02-24T13:10:58.691" v="2"/>
+        <pc:sldMkLst>
+          <pc:docMk/>
+          <pc:sldMk cId="1838480278" sldId="257"/>
+        </pc:sldMkLst>
+      </pc:sldChg>
+    </pc:docChg>
+  </pc:docChgLst>
+</pc:chgInfo>
 </file>
 
 <file path=ppt/slideLayouts/slideLayout1.xml><?xml version="1.0" encoding="utf-8"?>
@@ -3388,6 +3430,105 @@
 </p:sld>
 </file>
 
+<file path=ppt/slides/slide2.xml><?xml version="1.0" encoding="utf-8"?>
+<p:sld xmlns:a="http://schemas.openxmlformats.org/drawingml/2006/main" xmlns:r="http://schemas.openxmlformats.org/officeDocument/2006/relationships" xmlns:p="http://schemas.openxmlformats.org/presentationml/2006/main">
+  <p:cSld>
+    <p:spTree>
+      <p:nvGrpSpPr>
+        <p:cNvPr id="1" name=""/>
+        <p:cNvGrpSpPr/>
+        <p:nvPr/>
+      </p:nvGrpSpPr>
+      <p:grpSpPr>
+        <a:xfrm>
+          <a:off x="0" y="0"/>
+          <a:ext cx="0" cy="0"/>
+          <a:chOff x="0" y="0"/>
+          <a:chExt cx="0" cy="0"/>
+        </a:xfrm>
+      </p:grpSpPr>
+      <p:sp>
+        <p:nvSpPr>
+          <p:cNvPr id="4" name="מלבן 3">
+            <a:extLst>
+              <a:ext uri="{FF2B5EF4-FFF2-40B4-BE49-F238E27FC236}">
+                <a16:creationId xmlns:a16="http://schemas.microsoft.com/office/drawing/2014/main" id="{69CE7269-7094-4529-A4EC-60574D15E4C5}"/>
+              </a:ext>
+            </a:extLst>
+          </p:cNvPr>
+          <p:cNvSpPr/>
+          <p:nvPr/>
+        </p:nvSpPr>
+        <p:spPr>
+          <a:xfrm>
+            <a:off x="-959497" y="36945"/>
+            <a:ext cx="13850472" cy="7448193"/>
+          </a:xfrm>
+          <a:prstGeom prst="rect">
+            <a:avLst/>
+          </a:prstGeom>
+          <a:solidFill>
+            <a:srgbClr val="00B0F0"/>
+          </a:solidFill>
+        </p:spPr>
+        <p:txBody>
+          <a:bodyPr wrap="square">
+            <a:spAutoFit/>
+          </a:bodyPr>
+          <a:lstStyle/>
+          <a:p>
+            <a:pPr algn="ctr"/>
+            <a:r>
+              <a:rPr lang="en-US" sz="23900" b="0" i="0" u="none" strike="noStrike" dirty="0">
+                <a:solidFill>
+                  <a:schemeClr val="bg1"/>
+                </a:solidFill>
+                <a:effectLst/>
+                <a:latin typeface="-apple-system"/>
+              </a:rPr>
+              <a:t>CRM SMS</a:t>
+            </a:r>
+            <a:br>
+              <a:rPr lang="en-US" sz="23900" b="0" i="0" u="none" strike="noStrike" dirty="0">
+                <a:solidFill>
+                  <a:schemeClr val="bg1"/>
+                </a:solidFill>
+                <a:effectLst/>
+                <a:latin typeface="-apple-system"/>
+              </a:rPr>
+            </a:br>
+            <a:r>
+              <a:rPr lang="en-US" sz="23900" b="0" i="0" u="none" strike="noStrike" dirty="0">
+                <a:solidFill>
+                  <a:schemeClr val="bg1"/>
+                </a:solidFill>
+                <a:effectLst/>
+                <a:latin typeface="-apple-system"/>
+              </a:rPr>
+              <a:t>Invitation</a:t>
+            </a:r>
+            <a:endParaRPr lang="en-US" sz="23900" dirty="0">
+              <a:solidFill>
+                <a:schemeClr val="bg1"/>
+              </a:solidFill>
+              <a:latin typeface="-apple-system"/>
+            </a:endParaRPr>
+          </a:p>
+        </p:txBody>
+      </p:sp>
+    </p:spTree>
+    <p:extLst>
+      <p:ext uri="{BB962C8B-B14F-4D97-AF65-F5344CB8AC3E}">
+        <p14:creationId xmlns:p14="http://schemas.microsoft.com/office/powerpoint/2010/main" val="1838480278"/>
+      </p:ext>
+    </p:extLst>
+  </p:cSld>
+  <p:clrMapOvr>
+    <a:masterClrMapping/>
+  </p:clrMapOvr>
+</p:sld>
+</file>
+
 <file path=ppt/theme/theme1.xml><?xml version="1.0" encoding="utf-8"?>
 <a:theme xmlns:a="http://schemas.openxmlformats.org/drawingml/2006/main" name="ערכת נושא Office">
   <a:themeElements>
